--- a/database/slides/LOVE_IT_WAS.pptx
+++ b/database/slides/LOVE_IT_WAS.pptx
@@ -15724,7 +15724,7 @@
               <a:buNone/>
             </a:pPr>
             <a:r>
-              <a:rPr lang="en-GB" sz="3600" b="1" dirty="0">
+              <a:rPr lang="en-GB" sz="3600" b="1" i="1" dirty="0">
                 <a:solidFill>
                   <a:schemeClr val="bg1"/>
                 </a:solidFill>
@@ -15749,7 +15749,7 @@
               <a:buNone/>
             </a:pPr>
             <a:r>
-              <a:rPr lang="en-GB" sz="3600" b="1" dirty="0">
+              <a:rPr lang="en-GB" sz="3600" b="1" i="1" dirty="0">
                 <a:solidFill>
                   <a:schemeClr val="bg1"/>
                 </a:solidFill>
@@ -15757,7 +15757,7 @@
                 <a:ea typeface="Calibri" panose="020F0502020204030204" pitchFamily="34" charset="0"/>
                 <a:cs typeface="Calibri" panose="020F0502020204030204" pitchFamily="34" charset="0"/>
               </a:rPr>
-              <a:t>and it was love that save us,</a:t>
+              <a:t>and it was love that saved us,</a:t>
             </a:r>
           </a:p>
           <a:p>
@@ -15774,7 +15774,7 @@
               <a:buNone/>
             </a:pPr>
             <a:r>
-              <a:rPr lang="en-GB" sz="3600" b="1" dirty="0">
+              <a:rPr lang="en-GB" sz="3600" b="1" i="1" dirty="0">
                 <a:solidFill>
                   <a:schemeClr val="bg1"/>
                 </a:solidFill>
@@ -15799,7 +15799,7 @@
               <a:buNone/>
             </a:pPr>
             <a:r>
-              <a:rPr lang="en-GB" sz="3600" b="1" dirty="0">
+              <a:rPr lang="en-GB" sz="3600" b="1" i="1" dirty="0">
                 <a:solidFill>
                   <a:schemeClr val="bg1"/>
                 </a:solidFill>
@@ -15809,28 +15809,6 @@
               </a:rPr>
               <a:t>God’s divine nature is love.</a:t>
             </a:r>
-          </a:p>
-          <a:p>
-            <a:pPr marL="114300" indent="0">
-              <a:lnSpc>
-                <a:spcPct val="100000"/>
-              </a:lnSpc>
-              <a:spcBef>
-                <a:spcPct val="0"/>
-              </a:spcBef>
-              <a:spcAft>
-                <a:spcPct val="0"/>
-              </a:spcAft>
-              <a:buNone/>
-            </a:pPr>
-            <a:endParaRPr lang="en-GB" sz="3600" b="1" i="1" dirty="0">
-              <a:solidFill>
-                <a:schemeClr val="bg1"/>
-              </a:solidFill>
-              <a:latin typeface="Calibri" panose="020F0502020204030204" pitchFamily="34" charset="0"/>
-              <a:ea typeface="Calibri" panose="020F0502020204030204" pitchFamily="34" charset="0"/>
-              <a:cs typeface="Calibri" panose="020F0502020204030204" pitchFamily="34" charset="0"/>
-            </a:endParaRPr>
           </a:p>
           <a:p>
             <a:pPr marL="114300" indent="0">
@@ -16140,7 +16118,7 @@
                 <a:ea typeface="Calibri" panose="020F0502020204030204" pitchFamily="34" charset="0"/>
                 <a:cs typeface="Calibri" panose="020F0502020204030204" pitchFamily="34" charset="0"/>
               </a:rPr>
-              <a:t>joy in your heart it will bring,</a:t>
+              <a:t>Joy in your heart it will bring,</a:t>
             </a:r>
           </a:p>
           <a:p>
@@ -16190,129 +16168,7 @@
                 <a:ea typeface="Calibri" panose="020F0502020204030204" pitchFamily="34" charset="0"/>
                 <a:cs typeface="Calibri" panose="020F0502020204030204" pitchFamily="34" charset="0"/>
               </a:rPr>
-              <a:t>and where there’s God there is love.</a:t>
-            </a:r>
-          </a:p>
-          <a:p>
-            <a:pPr marL="114300" indent="0">
-              <a:lnSpc>
-                <a:spcPct val="100000"/>
-              </a:lnSpc>
-              <a:spcBef>
-                <a:spcPct val="0"/>
-              </a:spcBef>
-              <a:spcAft>
-                <a:spcPct val="0"/>
-              </a:spcAft>
-              <a:buNone/>
-            </a:pPr>
-            <a:endParaRPr lang="en-GB" sz="3600" b="1" i="1" dirty="0">
-              <a:solidFill>
-                <a:schemeClr val="bg1"/>
-              </a:solidFill>
-              <a:latin typeface="Calibri" panose="020F0502020204030204" pitchFamily="34" charset="0"/>
-              <a:ea typeface="Calibri" panose="020F0502020204030204" pitchFamily="34" charset="0"/>
-              <a:cs typeface="Calibri" panose="020F0502020204030204" pitchFamily="34" charset="0"/>
-            </a:endParaRPr>
-          </a:p>
-          <a:p>
-            <a:pPr marL="114300" indent="0">
-              <a:lnSpc>
-                <a:spcPct val="100000"/>
-              </a:lnSpc>
-              <a:spcBef>
-                <a:spcPct val="0"/>
-              </a:spcBef>
-              <a:spcAft>
-                <a:spcPct val="0"/>
-              </a:spcAft>
-              <a:buNone/>
-            </a:pPr>
-            <a:r>
-              <a:rPr lang="en-GB" sz="3600" b="1" i="1" dirty="0">
-                <a:solidFill>
-                  <a:schemeClr val="bg1"/>
-                </a:solidFill>
-                <a:latin typeface="Calibri" panose="020F0502020204030204" pitchFamily="34" charset="0"/>
-                <a:ea typeface="Calibri" panose="020F0502020204030204" pitchFamily="34" charset="0"/>
-                <a:cs typeface="Calibri" panose="020F0502020204030204" pitchFamily="34" charset="0"/>
-              </a:rPr>
-              <a:t>Born of God’s love we must love him,</a:t>
-            </a:r>
-          </a:p>
-          <a:p>
-            <a:pPr marL="114300" indent="0">
-              <a:lnSpc>
-                <a:spcPct val="100000"/>
-              </a:lnSpc>
-              <a:spcBef>
-                <a:spcPct val="0"/>
-              </a:spcBef>
-              <a:spcAft>
-                <a:spcPct val="0"/>
-              </a:spcAft>
-              <a:buNone/>
-            </a:pPr>
-            <a:r>
-              <a:rPr lang="en-GB" sz="3600" b="1" i="1" dirty="0">
-                <a:solidFill>
-                  <a:schemeClr val="bg1"/>
-                </a:solidFill>
-                <a:latin typeface="Calibri" panose="020F0502020204030204" pitchFamily="34" charset="0"/>
-                <a:ea typeface="Calibri" panose="020F0502020204030204" pitchFamily="34" charset="0"/>
-                <a:cs typeface="Calibri" panose="020F0502020204030204" pitchFamily="34" charset="0"/>
-              </a:rPr>
-              <a:t>That’s why he made us to love him,</a:t>
-            </a:r>
-          </a:p>
-          <a:p>
-            <a:pPr marL="114300" indent="0">
-              <a:lnSpc>
-                <a:spcPct val="100000"/>
-              </a:lnSpc>
-              <a:spcBef>
-                <a:spcPct val="0"/>
-              </a:spcBef>
-              <a:spcAft>
-                <a:spcPct val="0"/>
-              </a:spcAft>
-              <a:buNone/>
-            </a:pPr>
-            <a:r>
-              <a:rPr lang="en-GB" sz="3600" b="1" i="1" dirty="0">
-                <a:solidFill>
-                  <a:schemeClr val="bg1"/>
-                </a:solidFill>
-                <a:latin typeface="Calibri" panose="020F0502020204030204" pitchFamily="34" charset="0"/>
-                <a:ea typeface="Calibri" panose="020F0502020204030204" pitchFamily="34" charset="0"/>
-                <a:cs typeface="Calibri" panose="020F0502020204030204" pitchFamily="34" charset="0"/>
-              </a:rPr>
-              <a:t>But only when, we love all men,</a:t>
-            </a:r>
-          </a:p>
-          <a:p>
-            <a:pPr marL="114300" indent="0">
-              <a:lnSpc>
-                <a:spcPct val="100000"/>
-              </a:lnSpc>
-              <a:spcBef>
-                <a:spcPct val="0"/>
-              </a:spcBef>
-              <a:spcAft>
-                <a:spcPct val="0"/>
-              </a:spcAft>
-              <a:buNone/>
-            </a:pPr>
-            <a:r>
-              <a:rPr lang="en-GB" sz="3600" b="1" i="1" dirty="0">
-                <a:solidFill>
-                  <a:schemeClr val="bg1"/>
-                </a:solidFill>
-                <a:latin typeface="Calibri" panose="020F0502020204030204" pitchFamily="34" charset="0"/>
-                <a:ea typeface="Calibri" panose="020F0502020204030204" pitchFamily="34" charset="0"/>
-                <a:cs typeface="Calibri" panose="020F0502020204030204" pitchFamily="34" charset="0"/>
-              </a:rPr>
-              <a:t>can we partake of God’s love! [2]</a:t>
+              <a:t>and where there is God there is love.</a:t>
             </a:r>
           </a:p>
         </p:txBody>
@@ -16523,7 +16379,29 @@
                 <a:ea typeface="Calibri" panose="020F0502020204030204" pitchFamily="34" charset="0"/>
                 <a:cs typeface="Calibri" panose="020F0502020204030204" pitchFamily="34" charset="0"/>
               </a:rPr>
-              <a:t>By which men will know you’re mine,</a:t>
+              <a:t>By which men will know </a:t>
+            </a:r>
+            <a:r>
+              <a:rPr lang="en-GB" sz="3600" b="1">
+                <a:solidFill>
+                  <a:schemeClr val="bg1"/>
+                </a:solidFill>
+                <a:latin typeface="Calibri" panose="020F0502020204030204" pitchFamily="34" charset="0"/>
+                <a:ea typeface="Calibri" panose="020F0502020204030204" pitchFamily="34" charset="0"/>
+                <a:cs typeface="Calibri" panose="020F0502020204030204" pitchFamily="34" charset="0"/>
+              </a:rPr>
+              <a:t>you are mine</a:t>
+            </a:r>
+            <a:r>
+              <a:rPr lang="en-GB" sz="3600" b="1" dirty="0">
+                <a:solidFill>
+                  <a:schemeClr val="bg1"/>
+                </a:solidFill>
+                <a:latin typeface="Calibri" panose="020F0502020204030204" pitchFamily="34" charset="0"/>
+                <a:ea typeface="Calibri" panose="020F0502020204030204" pitchFamily="34" charset="0"/>
+                <a:cs typeface="Calibri" panose="020F0502020204030204" pitchFamily="34" charset="0"/>
+              </a:rPr>
+              <a:t>,</a:t>
             </a:r>
           </a:p>
           <a:p>
@@ -16574,128 +16452,6 @@
                 <a:cs typeface="Calibri" panose="020F0502020204030204" pitchFamily="34" charset="0"/>
               </a:rPr>
               <a:t>Each other love as I did.</a:t>
-            </a:r>
-          </a:p>
-          <a:p>
-            <a:pPr marL="114300" indent="0">
-              <a:lnSpc>
-                <a:spcPct val="100000"/>
-              </a:lnSpc>
-              <a:spcBef>
-                <a:spcPct val="0"/>
-              </a:spcBef>
-              <a:spcAft>
-                <a:spcPct val="0"/>
-              </a:spcAft>
-              <a:buNone/>
-            </a:pPr>
-            <a:endParaRPr lang="en-GB" sz="3600" b="1" i="1" dirty="0">
-              <a:solidFill>
-                <a:schemeClr val="bg1"/>
-              </a:solidFill>
-              <a:latin typeface="Calibri" panose="020F0502020204030204" pitchFamily="34" charset="0"/>
-              <a:ea typeface="Calibri" panose="020F0502020204030204" pitchFamily="34" charset="0"/>
-              <a:cs typeface="Calibri" panose="020F0502020204030204" pitchFamily="34" charset="0"/>
-            </a:endParaRPr>
-          </a:p>
-          <a:p>
-            <a:pPr marL="114300" indent="0">
-              <a:lnSpc>
-                <a:spcPct val="100000"/>
-              </a:lnSpc>
-              <a:spcBef>
-                <a:spcPct val="0"/>
-              </a:spcBef>
-              <a:spcAft>
-                <a:spcPct val="0"/>
-              </a:spcAft>
-              <a:buNone/>
-            </a:pPr>
-            <a:r>
-              <a:rPr lang="en-GB" sz="3600" b="1" i="1" dirty="0">
-                <a:solidFill>
-                  <a:schemeClr val="bg1"/>
-                </a:solidFill>
-                <a:latin typeface="Calibri" panose="020F0502020204030204" pitchFamily="34" charset="0"/>
-                <a:ea typeface="Calibri" panose="020F0502020204030204" pitchFamily="34" charset="0"/>
-                <a:cs typeface="Calibri" panose="020F0502020204030204" pitchFamily="34" charset="0"/>
-              </a:rPr>
-              <a:t>Born of God’s love we must love him,</a:t>
-            </a:r>
-          </a:p>
-          <a:p>
-            <a:pPr marL="114300" indent="0">
-              <a:lnSpc>
-                <a:spcPct val="100000"/>
-              </a:lnSpc>
-              <a:spcBef>
-                <a:spcPct val="0"/>
-              </a:spcBef>
-              <a:spcAft>
-                <a:spcPct val="0"/>
-              </a:spcAft>
-              <a:buNone/>
-            </a:pPr>
-            <a:r>
-              <a:rPr lang="en-GB" sz="3600" b="1" i="1" dirty="0">
-                <a:solidFill>
-                  <a:schemeClr val="bg1"/>
-                </a:solidFill>
-                <a:latin typeface="Calibri" panose="020F0502020204030204" pitchFamily="34" charset="0"/>
-                <a:ea typeface="Calibri" panose="020F0502020204030204" pitchFamily="34" charset="0"/>
-                <a:cs typeface="Calibri" panose="020F0502020204030204" pitchFamily="34" charset="0"/>
-              </a:rPr>
-              <a:t>That’s why he made us to love him,</a:t>
-            </a:r>
-          </a:p>
-          <a:p>
-            <a:pPr marL="114300" indent="0">
-              <a:lnSpc>
-                <a:spcPct val="100000"/>
-              </a:lnSpc>
-              <a:spcBef>
-                <a:spcPct val="0"/>
-              </a:spcBef>
-              <a:spcAft>
-                <a:spcPct val="0"/>
-              </a:spcAft>
-              <a:buNone/>
-            </a:pPr>
-            <a:r>
-              <a:rPr lang="en-GB" sz="3600" b="1" i="1" dirty="0">
-                <a:solidFill>
-                  <a:schemeClr val="bg1"/>
-                </a:solidFill>
-                <a:latin typeface="Calibri" panose="020F0502020204030204" pitchFamily="34" charset="0"/>
-                <a:ea typeface="Calibri" panose="020F0502020204030204" pitchFamily="34" charset="0"/>
-                <a:cs typeface="Calibri" panose="020F0502020204030204" pitchFamily="34" charset="0"/>
-              </a:rPr>
-              <a:t>But only when, we love all men,</a:t>
-            </a:r>
-          </a:p>
-          <a:p>
-            <a:pPr marL="114300" indent="0">
-              <a:lnSpc>
-                <a:spcPct val="100000"/>
-              </a:lnSpc>
-              <a:spcBef>
-                <a:spcPct val="0"/>
-              </a:spcBef>
-              <a:spcAft>
-                <a:spcPct val="0"/>
-              </a:spcAft>
-              <a:buNone/>
-            </a:pPr>
-            <a:r>
-              <a:rPr lang="en-GB" sz="3600" b="1" i="1" dirty="0">
-                <a:solidFill>
-                  <a:schemeClr val="bg1"/>
-                </a:solidFill>
-                <a:latin typeface="Calibri" panose="020F0502020204030204" pitchFamily="34" charset="0"/>
-                <a:ea typeface="Calibri" panose="020F0502020204030204" pitchFamily="34" charset="0"/>
-                <a:cs typeface="Calibri" panose="020F0502020204030204" pitchFamily="34" charset="0"/>
-              </a:rPr>
-              <a:t>can we partake of God’s love! [2]</a:t>
             </a:r>
           </a:p>
         </p:txBody>

--- a/database/slides/LOVE_IT_WAS.pptx
+++ b/database/slides/LOVE_IT_WAS.pptx
@@ -6,12 +6,14 @@
     <p:sldMasterId id="2147483671" r:id="rId2"/>
   </p:sldMasterIdLst>
   <p:notesMasterIdLst>
-    <p:notesMasterId r:id="rId6"/>
+    <p:notesMasterId r:id="rId8"/>
   </p:notesMasterIdLst>
   <p:sldIdLst>
     <p:sldId id="257" r:id="rId3"/>
     <p:sldId id="258" r:id="rId4"/>
-    <p:sldId id="259" r:id="rId5"/>
+    <p:sldId id="260" r:id="rId5"/>
+    <p:sldId id="259" r:id="rId6"/>
+    <p:sldId id="261" r:id="rId7"/>
   </p:sldIdLst>
   <p:sldSz cx="9144000" cy="6858000" type="screen4x3"/>
   <p:notesSz cx="6858000" cy="9144000"/>
@@ -1034,7 +1036,225 @@
     </p:spTree>
     <p:extLst>
       <p:ext uri="{BB962C8B-B14F-4D97-AF65-F5344CB8AC3E}">
+        <p14:creationId xmlns:p14="http://schemas.microsoft.com/office/powerpoint/2010/main" val="787633970"/>
+      </p:ext>
+    </p:extLst>
+  </p:cSld>
+  <p:clrMapOvr>
+    <a:masterClrMapping/>
+  </p:clrMapOvr>
+</p:notes>
+</file>
+
+<file path=ppt/notesSlides/notesSlide4.xml><?xml version="1.0" encoding="utf-8"?>
+<p:notes xmlns:a="http://schemas.openxmlformats.org/drawingml/2006/main" xmlns:r="http://schemas.openxmlformats.org/officeDocument/2006/relationships" xmlns:p="http://schemas.openxmlformats.org/presentationml/2006/main" showMasterSp="0" showMasterPhAnim="0">
+  <p:cSld>
+    <p:spTree>
+      <p:nvGrpSpPr>
+        <p:cNvPr id="1" name="Shape 125"/>
+        <p:cNvGrpSpPr/>
+        <p:nvPr/>
+      </p:nvGrpSpPr>
+      <p:grpSpPr>
+        <a:xfrm>
+          <a:off x="0" y="0"/>
+          <a:ext cx="0" cy="0"/>
+          <a:chOff x="0" y="0"/>
+          <a:chExt cx="0" cy="0"/>
+        </a:xfrm>
+      </p:grpSpPr>
+      <p:sp>
+        <p:nvSpPr>
+          <p:cNvPr id="126" name="Google Shape;126;g24f3f32051f_0_87:notes"/>
+          <p:cNvSpPr txBox="1">
+            <a:spLocks noGrp="1"/>
+          </p:cNvSpPr>
+          <p:nvPr>
+            <p:ph type="body" idx="1"/>
+          </p:nvPr>
+        </p:nvSpPr>
+        <p:spPr>
+          <a:xfrm>
+            <a:off x="685800" y="4343400"/>
+            <a:ext cx="5486400" cy="4114800"/>
+          </a:xfrm>
+          <a:prstGeom prst="rect">
+            <a:avLst/>
+          </a:prstGeom>
+        </p:spPr>
+        <p:txBody>
+          <a:bodyPr spcFirstLastPara="1" wrap="square" lIns="91425" tIns="91425" rIns="91425" bIns="91425" anchor="t" anchorCtr="0">
+            <a:noAutofit/>
+          </a:bodyPr>
+          <a:lstStyle/>
+          <a:p>
+            <a:pPr marL="0" lvl="0" indent="0" algn="l" rtl="0">
+              <a:spcBef>
+                <a:spcPts val="0"/>
+              </a:spcBef>
+              <a:spcAft>
+                <a:spcPts val="0"/>
+              </a:spcAft>
+              <a:buNone/>
+            </a:pPr>
+            <a:endParaRPr dirty="0"/>
+          </a:p>
+        </p:txBody>
+      </p:sp>
+      <p:sp>
+        <p:nvSpPr>
+          <p:cNvPr id="127" name="Google Shape;127;g24f3f32051f_0_87:notes"/>
+          <p:cNvSpPr>
+            <a:spLocks noGrp="1" noRot="1" noChangeAspect="1"/>
+          </p:cNvSpPr>
+          <p:nvPr>
+            <p:ph type="sldImg" idx="2"/>
+          </p:nvPr>
+        </p:nvSpPr>
+        <p:spPr>
+          <a:xfrm>
+            <a:off x="1143000" y="685800"/>
+            <a:ext cx="4572000" cy="3429000"/>
+          </a:xfrm>
+          <a:custGeom>
+            <a:avLst/>
+            <a:gdLst/>
+            <a:ahLst/>
+            <a:cxnLst/>
+            <a:rect l="l" t="t" r="r" b="b"/>
+            <a:pathLst>
+              <a:path w="120000" h="120000" extrusionOk="0">
+                <a:moveTo>
+                  <a:pt x="0" y="0"/>
+                </a:moveTo>
+                <a:lnTo>
+                  <a:pt x="120000" y="0"/>
+                </a:lnTo>
+                <a:lnTo>
+                  <a:pt x="120000" y="120000"/>
+                </a:lnTo>
+                <a:lnTo>
+                  <a:pt x="0" y="120000"/>
+                </a:lnTo>
+                <a:close/>
+              </a:path>
+            </a:pathLst>
+          </a:custGeom>
+        </p:spPr>
+      </p:sp>
+    </p:spTree>
+    <p:extLst>
+      <p:ext uri="{BB962C8B-B14F-4D97-AF65-F5344CB8AC3E}">
         <p14:creationId xmlns:p14="http://schemas.microsoft.com/office/powerpoint/2010/main" val="786205737"/>
+      </p:ext>
+    </p:extLst>
+  </p:cSld>
+  <p:clrMapOvr>
+    <a:masterClrMapping/>
+  </p:clrMapOvr>
+</p:notes>
+</file>
+
+<file path=ppt/notesSlides/notesSlide5.xml><?xml version="1.0" encoding="utf-8"?>
+<p:notes xmlns:a="http://schemas.openxmlformats.org/drawingml/2006/main" xmlns:r="http://schemas.openxmlformats.org/officeDocument/2006/relationships" xmlns:p="http://schemas.openxmlformats.org/presentationml/2006/main" showMasterSp="0" showMasterPhAnim="0">
+  <p:cSld>
+    <p:spTree>
+      <p:nvGrpSpPr>
+        <p:cNvPr id="1" name="Shape 125"/>
+        <p:cNvGrpSpPr/>
+        <p:nvPr/>
+      </p:nvGrpSpPr>
+      <p:grpSpPr>
+        <a:xfrm>
+          <a:off x="0" y="0"/>
+          <a:ext cx="0" cy="0"/>
+          <a:chOff x="0" y="0"/>
+          <a:chExt cx="0" cy="0"/>
+        </a:xfrm>
+      </p:grpSpPr>
+      <p:sp>
+        <p:nvSpPr>
+          <p:cNvPr id="126" name="Google Shape;126;g24f3f32051f_0_87:notes"/>
+          <p:cNvSpPr txBox="1">
+            <a:spLocks noGrp="1"/>
+          </p:cNvSpPr>
+          <p:nvPr>
+            <p:ph type="body" idx="1"/>
+          </p:nvPr>
+        </p:nvSpPr>
+        <p:spPr>
+          <a:xfrm>
+            <a:off x="685800" y="4343400"/>
+            <a:ext cx="5486400" cy="4114800"/>
+          </a:xfrm>
+          <a:prstGeom prst="rect">
+            <a:avLst/>
+          </a:prstGeom>
+        </p:spPr>
+        <p:txBody>
+          <a:bodyPr spcFirstLastPara="1" wrap="square" lIns="91425" tIns="91425" rIns="91425" bIns="91425" anchor="t" anchorCtr="0">
+            <a:noAutofit/>
+          </a:bodyPr>
+          <a:lstStyle/>
+          <a:p>
+            <a:pPr marL="0" lvl="0" indent="0" algn="l" rtl="0">
+              <a:spcBef>
+                <a:spcPts val="0"/>
+              </a:spcBef>
+              <a:spcAft>
+                <a:spcPts val="0"/>
+              </a:spcAft>
+              <a:buNone/>
+            </a:pPr>
+            <a:endParaRPr dirty="0"/>
+          </a:p>
+        </p:txBody>
+      </p:sp>
+      <p:sp>
+        <p:nvSpPr>
+          <p:cNvPr id="127" name="Google Shape;127;g24f3f32051f_0_87:notes"/>
+          <p:cNvSpPr>
+            <a:spLocks noGrp="1" noRot="1" noChangeAspect="1"/>
+          </p:cNvSpPr>
+          <p:nvPr>
+            <p:ph type="sldImg" idx="2"/>
+          </p:nvPr>
+        </p:nvSpPr>
+        <p:spPr>
+          <a:xfrm>
+            <a:off x="1143000" y="685800"/>
+            <a:ext cx="4572000" cy="3429000"/>
+          </a:xfrm>
+          <a:custGeom>
+            <a:avLst/>
+            <a:gdLst/>
+            <a:ahLst/>
+            <a:cxnLst/>
+            <a:rect l="l" t="t" r="r" b="b"/>
+            <a:pathLst>
+              <a:path w="120000" h="120000" extrusionOk="0">
+                <a:moveTo>
+                  <a:pt x="0" y="0"/>
+                </a:moveTo>
+                <a:lnTo>
+                  <a:pt x="120000" y="0"/>
+                </a:lnTo>
+                <a:lnTo>
+                  <a:pt x="120000" y="120000"/>
+                </a:lnTo>
+                <a:lnTo>
+                  <a:pt x="0" y="120000"/>
+                </a:lnTo>
+                <a:close/>
+              </a:path>
+            </a:pathLst>
+          </a:custGeom>
+        </p:spPr>
+      </p:sp>
+    </p:spTree>
+    <p:extLst>
+      <p:ext uri="{BB962C8B-B14F-4D97-AF65-F5344CB8AC3E}">
+        <p14:creationId xmlns:p14="http://schemas.microsoft.com/office/powerpoint/2010/main" val="2244137764"/>
       </p:ext>
     </p:extLst>
   </p:cSld>
@@ -16346,6 +16566,367 @@
               <a:buNone/>
             </a:pPr>
             <a:r>
+              <a:rPr lang="en-GB" sz="3600" b="1" i="1" dirty="0">
+                <a:solidFill>
+                  <a:schemeClr val="bg1"/>
+                </a:solidFill>
+                <a:latin typeface="Calibri" panose="020F0502020204030204" pitchFamily="34" charset="0"/>
+                <a:ea typeface="Calibri" panose="020F0502020204030204" pitchFamily="34" charset="0"/>
+                <a:cs typeface="Calibri" panose="020F0502020204030204" pitchFamily="34" charset="0"/>
+              </a:rPr>
+              <a:t>Love it was that made us,</a:t>
+            </a:r>
+          </a:p>
+          <a:p>
+            <a:pPr marL="114300" indent="0">
+              <a:lnSpc>
+                <a:spcPct val="100000"/>
+              </a:lnSpc>
+              <a:spcBef>
+                <a:spcPct val="0"/>
+              </a:spcBef>
+              <a:spcAft>
+                <a:spcPct val="0"/>
+              </a:spcAft>
+              <a:buNone/>
+            </a:pPr>
+            <a:r>
+              <a:rPr lang="en-GB" sz="3600" b="1" i="1" dirty="0">
+                <a:solidFill>
+                  <a:schemeClr val="bg1"/>
+                </a:solidFill>
+                <a:latin typeface="Calibri" panose="020F0502020204030204" pitchFamily="34" charset="0"/>
+                <a:ea typeface="Calibri" panose="020F0502020204030204" pitchFamily="34" charset="0"/>
+                <a:cs typeface="Calibri" panose="020F0502020204030204" pitchFamily="34" charset="0"/>
+              </a:rPr>
+              <a:t>and it was love that saved us,</a:t>
+            </a:r>
+          </a:p>
+          <a:p>
+            <a:pPr marL="114300" indent="0">
+              <a:lnSpc>
+                <a:spcPct val="100000"/>
+              </a:lnSpc>
+              <a:spcBef>
+                <a:spcPct val="0"/>
+              </a:spcBef>
+              <a:spcAft>
+                <a:spcPct val="0"/>
+              </a:spcAft>
+              <a:buNone/>
+            </a:pPr>
+            <a:r>
+              <a:rPr lang="en-GB" sz="3600" b="1" i="1" dirty="0">
+                <a:solidFill>
+                  <a:schemeClr val="bg1"/>
+                </a:solidFill>
+                <a:latin typeface="Calibri" panose="020F0502020204030204" pitchFamily="34" charset="0"/>
+                <a:ea typeface="Calibri" panose="020F0502020204030204" pitchFamily="34" charset="0"/>
+                <a:cs typeface="Calibri" panose="020F0502020204030204" pitchFamily="34" charset="0"/>
+              </a:rPr>
+              <a:t>Love was God’s plan when he made man,</a:t>
+            </a:r>
+          </a:p>
+          <a:p>
+            <a:pPr marL="114300" indent="0">
+              <a:lnSpc>
+                <a:spcPct val="100000"/>
+              </a:lnSpc>
+              <a:spcBef>
+                <a:spcPct val="0"/>
+              </a:spcBef>
+              <a:spcAft>
+                <a:spcPct val="0"/>
+              </a:spcAft>
+              <a:buNone/>
+            </a:pPr>
+            <a:r>
+              <a:rPr lang="en-GB" sz="3600" b="1" i="1" dirty="0">
+                <a:solidFill>
+                  <a:schemeClr val="bg1"/>
+                </a:solidFill>
+                <a:latin typeface="Calibri" panose="020F0502020204030204" pitchFamily="34" charset="0"/>
+                <a:ea typeface="Calibri" panose="020F0502020204030204" pitchFamily="34" charset="0"/>
+                <a:cs typeface="Calibri" panose="020F0502020204030204" pitchFamily="34" charset="0"/>
+              </a:rPr>
+              <a:t>God’s divine nature is love.</a:t>
+            </a:r>
+          </a:p>
+          <a:p>
+            <a:pPr marL="114300" indent="0">
+              <a:lnSpc>
+                <a:spcPct val="100000"/>
+              </a:lnSpc>
+              <a:spcBef>
+                <a:spcPct val="0"/>
+              </a:spcBef>
+              <a:spcAft>
+                <a:spcPct val="0"/>
+              </a:spcAft>
+              <a:buNone/>
+            </a:pPr>
+            <a:r>
+              <a:rPr lang="en-GB" sz="3600" b="1" i="1" dirty="0">
+                <a:solidFill>
+                  <a:schemeClr val="bg1"/>
+                </a:solidFill>
+                <a:latin typeface="Calibri" panose="020F0502020204030204" pitchFamily="34" charset="0"/>
+                <a:ea typeface="Calibri" panose="020F0502020204030204" pitchFamily="34" charset="0"/>
+                <a:cs typeface="Calibri" panose="020F0502020204030204" pitchFamily="34" charset="0"/>
+              </a:rPr>
+              <a:t>Born of God’s love we must love him,</a:t>
+            </a:r>
+          </a:p>
+          <a:p>
+            <a:pPr marL="114300" indent="0">
+              <a:lnSpc>
+                <a:spcPct val="100000"/>
+              </a:lnSpc>
+              <a:spcBef>
+                <a:spcPct val="0"/>
+              </a:spcBef>
+              <a:spcAft>
+                <a:spcPct val="0"/>
+              </a:spcAft>
+              <a:buNone/>
+            </a:pPr>
+            <a:r>
+              <a:rPr lang="en-GB" sz="3600" b="1" i="1" dirty="0">
+                <a:solidFill>
+                  <a:schemeClr val="bg1"/>
+                </a:solidFill>
+                <a:latin typeface="Calibri" panose="020F0502020204030204" pitchFamily="34" charset="0"/>
+                <a:ea typeface="Calibri" panose="020F0502020204030204" pitchFamily="34" charset="0"/>
+                <a:cs typeface="Calibri" panose="020F0502020204030204" pitchFamily="34" charset="0"/>
+              </a:rPr>
+              <a:t>That’s why he made us to love him,</a:t>
+            </a:r>
+          </a:p>
+          <a:p>
+            <a:pPr marL="114300" indent="0">
+              <a:lnSpc>
+                <a:spcPct val="100000"/>
+              </a:lnSpc>
+              <a:spcBef>
+                <a:spcPct val="0"/>
+              </a:spcBef>
+              <a:spcAft>
+                <a:spcPct val="0"/>
+              </a:spcAft>
+              <a:buNone/>
+            </a:pPr>
+            <a:r>
+              <a:rPr lang="en-GB" sz="3600" b="1" i="1" dirty="0">
+                <a:solidFill>
+                  <a:schemeClr val="bg1"/>
+                </a:solidFill>
+                <a:latin typeface="Calibri" panose="020F0502020204030204" pitchFamily="34" charset="0"/>
+                <a:ea typeface="Calibri" panose="020F0502020204030204" pitchFamily="34" charset="0"/>
+                <a:cs typeface="Calibri" panose="020F0502020204030204" pitchFamily="34" charset="0"/>
+              </a:rPr>
+              <a:t>But only when, we love all men,</a:t>
+            </a:r>
+          </a:p>
+          <a:p>
+            <a:pPr marL="114300" indent="0">
+              <a:lnSpc>
+                <a:spcPct val="100000"/>
+              </a:lnSpc>
+              <a:spcBef>
+                <a:spcPct val="0"/>
+              </a:spcBef>
+              <a:spcAft>
+                <a:spcPct val="0"/>
+              </a:spcAft>
+              <a:buNone/>
+            </a:pPr>
+            <a:r>
+              <a:rPr lang="en-GB" sz="3600" b="1" i="1" dirty="0">
+                <a:solidFill>
+                  <a:schemeClr val="bg1"/>
+                </a:solidFill>
+                <a:latin typeface="Calibri" panose="020F0502020204030204" pitchFamily="34" charset="0"/>
+                <a:ea typeface="Calibri" panose="020F0502020204030204" pitchFamily="34" charset="0"/>
+                <a:cs typeface="Calibri" panose="020F0502020204030204" pitchFamily="34" charset="0"/>
+              </a:rPr>
+              <a:t>can we partake of God’s love! [2]</a:t>
+            </a:r>
+          </a:p>
+        </p:txBody>
+      </p:sp>
+      <p:sp>
+        <p:nvSpPr>
+          <p:cNvPr id="131" name="Google Shape;131;p25"/>
+          <p:cNvSpPr txBox="1"/>
+          <p:nvPr/>
+        </p:nvSpPr>
+        <p:spPr>
+          <a:xfrm>
+            <a:off x="7595050" y="6357300"/>
+            <a:ext cx="1548900" cy="500700"/>
+          </a:xfrm>
+          <a:prstGeom prst="rect">
+            <a:avLst/>
+          </a:prstGeom>
+          <a:noFill/>
+          <a:ln>
+            <a:noFill/>
+          </a:ln>
+        </p:spPr>
+        <p:txBody>
+          <a:bodyPr spcFirstLastPara="1" wrap="square" lIns="91425" tIns="91425" rIns="91425" bIns="91425" anchor="ctr" anchorCtr="0">
+            <a:noAutofit/>
+          </a:bodyPr>
+          <a:lstStyle/>
+          <a:p>
+            <a:pPr>
+              <a:buClr>
+                <a:schemeClr val="lt1"/>
+              </a:buClr>
+              <a:buSzPts val="3200"/>
+            </a:pPr>
+            <a:r>
+              <a:rPr lang="en-GB" sz="3600" b="1" i="1" dirty="0">
+                <a:solidFill>
+                  <a:srgbClr val="FFFF00"/>
+                </a:solidFill>
+                <a:latin typeface="Calibri"/>
+                <a:ea typeface="Calibri"/>
+                <a:cs typeface="Calibri"/>
+                <a:sym typeface="Calibri"/>
+              </a:rPr>
+              <a:t>contd..</a:t>
+            </a:r>
+            <a:endParaRPr lang="en-GB" sz="3600" dirty="0">
+              <a:latin typeface="Calibri"/>
+              <a:ea typeface="Calibri"/>
+              <a:cs typeface="Calibri"/>
+              <a:sym typeface="Calibri"/>
+            </a:endParaRPr>
+          </a:p>
+        </p:txBody>
+      </p:sp>
+    </p:spTree>
+    <p:extLst>
+      <p:ext uri="{BB962C8B-B14F-4D97-AF65-F5344CB8AC3E}">
+        <p14:creationId xmlns:p14="http://schemas.microsoft.com/office/powerpoint/2010/main" val="946399892"/>
+      </p:ext>
+    </p:extLst>
+  </p:cSld>
+  <p:clrMapOvr>
+    <a:masterClrMapping/>
+  </p:clrMapOvr>
+</p:sld>
+</file>
+
+<file path=ppt/slides/slide4.xml><?xml version="1.0" encoding="utf-8"?>
+<p:sld xmlns:a="http://schemas.openxmlformats.org/drawingml/2006/main" xmlns:r="http://schemas.openxmlformats.org/officeDocument/2006/relationships" xmlns:p="http://schemas.openxmlformats.org/presentationml/2006/main">
+  <p:cSld>
+    <p:bg>
+      <p:bgPr>
+        <a:solidFill>
+          <a:schemeClr val="dk1"/>
+        </a:solidFill>
+        <a:effectLst/>
+      </p:bgPr>
+    </p:bg>
+    <p:spTree>
+      <p:nvGrpSpPr>
+        <p:cNvPr id="1" name="Shape 128"/>
+        <p:cNvGrpSpPr/>
+        <p:nvPr/>
+      </p:nvGrpSpPr>
+      <p:grpSpPr>
+        <a:xfrm>
+          <a:off x="0" y="0"/>
+          <a:ext cx="0" cy="0"/>
+          <a:chOff x="0" y="0"/>
+          <a:chExt cx="0" cy="0"/>
+        </a:xfrm>
+      </p:grpSpPr>
+      <p:sp>
+        <p:nvSpPr>
+          <p:cNvPr id="129" name="Google Shape;129;p25"/>
+          <p:cNvSpPr txBox="1">
+            <a:spLocks noGrp="1"/>
+          </p:cNvSpPr>
+          <p:nvPr>
+            <p:ph type="title"/>
+          </p:nvPr>
+        </p:nvSpPr>
+        <p:spPr>
+          <a:xfrm>
+            <a:off x="61050" y="0"/>
+            <a:ext cx="9021900" cy="708300"/>
+          </a:xfrm>
+          <a:prstGeom prst="rect">
+            <a:avLst/>
+          </a:prstGeom>
+          <a:noFill/>
+          <a:ln>
+            <a:noFill/>
+          </a:ln>
+        </p:spPr>
+        <p:txBody>
+          <a:bodyPr spcFirstLastPara="1" wrap="square" lIns="91425" tIns="45700" rIns="91425" bIns="45700" anchor="ctr" anchorCtr="0">
+            <a:noAutofit/>
+          </a:bodyPr>
+          <a:lstStyle/>
+          <a:p>
+            <a:pPr marL="171450" algn="l"/>
+            <a:r>
+              <a:rPr lang="en-GB" sz="3200" b="1" u="sng" dirty="0">
+                <a:solidFill>
+                  <a:schemeClr val="bg1"/>
+                </a:solidFill>
+              </a:rPr>
+              <a:t>LOVE IT WAS</a:t>
+            </a:r>
+          </a:p>
+        </p:txBody>
+      </p:sp>
+      <p:sp>
+        <p:nvSpPr>
+          <p:cNvPr id="130" name="Google Shape;130;p25"/>
+          <p:cNvSpPr txBox="1">
+            <a:spLocks noGrp="1"/>
+          </p:cNvSpPr>
+          <p:nvPr>
+            <p:ph type="body" idx="1"/>
+          </p:nvPr>
+        </p:nvSpPr>
+        <p:spPr>
+          <a:xfrm>
+            <a:off x="51350" y="762925"/>
+            <a:ext cx="9021900" cy="6039300"/>
+          </a:xfrm>
+          <a:prstGeom prst="rect">
+            <a:avLst/>
+          </a:prstGeom>
+          <a:noFill/>
+          <a:ln>
+            <a:noFill/>
+          </a:ln>
+        </p:spPr>
+        <p:txBody>
+          <a:bodyPr spcFirstLastPara="1" wrap="square" lIns="0" tIns="0" rIns="0" bIns="0" anchor="t" anchorCtr="0">
+            <a:noAutofit/>
+          </a:bodyPr>
+          <a:lstStyle/>
+          <a:p>
+            <a:pPr marL="114300" indent="0">
+              <a:lnSpc>
+                <a:spcPct val="100000"/>
+              </a:lnSpc>
+              <a:spcBef>
+                <a:spcPct val="0"/>
+              </a:spcBef>
+              <a:spcAft>
+                <a:spcPct val="0"/>
+              </a:spcAft>
+              <a:buNone/>
+            </a:pPr>
+            <a:r>
               <a:rPr lang="en-GB" sz="3600" b="1" dirty="0">
                 <a:solidFill>
                   <a:schemeClr val="bg1"/>
@@ -16379,29 +16960,7 @@
                 <a:ea typeface="Calibri" panose="020F0502020204030204" pitchFamily="34" charset="0"/>
                 <a:cs typeface="Calibri" panose="020F0502020204030204" pitchFamily="34" charset="0"/>
               </a:rPr>
-              <a:t>By which men will know </a:t>
-            </a:r>
-            <a:r>
-              <a:rPr lang="en-GB" sz="3600" b="1">
-                <a:solidFill>
-                  <a:schemeClr val="bg1"/>
-                </a:solidFill>
-                <a:latin typeface="Calibri" panose="020F0502020204030204" pitchFamily="34" charset="0"/>
-                <a:ea typeface="Calibri" panose="020F0502020204030204" pitchFamily="34" charset="0"/>
-                <a:cs typeface="Calibri" panose="020F0502020204030204" pitchFamily="34" charset="0"/>
-              </a:rPr>
-              <a:t>you are mine</a:t>
-            </a:r>
-            <a:r>
-              <a:rPr lang="en-GB" sz="3600" b="1" dirty="0">
-                <a:solidFill>
-                  <a:schemeClr val="bg1"/>
-                </a:solidFill>
-                <a:latin typeface="Calibri" panose="020F0502020204030204" pitchFamily="34" charset="0"/>
-                <a:ea typeface="Calibri" panose="020F0502020204030204" pitchFamily="34" charset="0"/>
-                <a:cs typeface="Calibri" panose="020F0502020204030204" pitchFamily="34" charset="0"/>
-              </a:rPr>
-              <a:t>,</a:t>
+              <a:t>By which men will know you are mine,</a:t>
             </a:r>
           </a:p>
           <a:p>
@@ -16452,6 +17011,367 @@
                 <a:cs typeface="Calibri" panose="020F0502020204030204" pitchFamily="34" charset="0"/>
               </a:rPr>
               <a:t>Each other love as I did.</a:t>
+            </a:r>
+          </a:p>
+        </p:txBody>
+      </p:sp>
+      <p:sp>
+        <p:nvSpPr>
+          <p:cNvPr id="131" name="Google Shape;131;p25"/>
+          <p:cNvSpPr txBox="1"/>
+          <p:nvPr/>
+        </p:nvSpPr>
+        <p:spPr>
+          <a:xfrm>
+            <a:off x="7595050" y="6357300"/>
+            <a:ext cx="1548900" cy="500700"/>
+          </a:xfrm>
+          <a:prstGeom prst="rect">
+            <a:avLst/>
+          </a:prstGeom>
+          <a:noFill/>
+          <a:ln>
+            <a:noFill/>
+          </a:ln>
+        </p:spPr>
+        <p:txBody>
+          <a:bodyPr spcFirstLastPara="1" wrap="square" lIns="91425" tIns="91425" rIns="91425" bIns="91425" anchor="ctr" anchorCtr="0">
+            <a:noAutofit/>
+          </a:bodyPr>
+          <a:lstStyle/>
+          <a:p>
+            <a:pPr>
+              <a:buClr>
+                <a:schemeClr val="lt1"/>
+              </a:buClr>
+              <a:buSzPts val="3200"/>
+            </a:pPr>
+            <a:r>
+              <a:rPr lang="en-GB" sz="3600" b="1" i="1" dirty="0">
+                <a:solidFill>
+                  <a:srgbClr val="FFFF00"/>
+                </a:solidFill>
+                <a:latin typeface="Calibri"/>
+                <a:ea typeface="Calibri"/>
+                <a:cs typeface="Calibri"/>
+                <a:sym typeface="Calibri"/>
+              </a:rPr>
+              <a:t>contd..</a:t>
+            </a:r>
+            <a:endParaRPr lang="en-GB" sz="3600" dirty="0">
+              <a:latin typeface="Calibri"/>
+              <a:ea typeface="Calibri"/>
+              <a:cs typeface="Calibri"/>
+              <a:sym typeface="Calibri"/>
+            </a:endParaRPr>
+          </a:p>
+        </p:txBody>
+      </p:sp>
+    </p:spTree>
+    <p:extLst>
+      <p:ext uri="{BB962C8B-B14F-4D97-AF65-F5344CB8AC3E}">
+        <p14:creationId xmlns:p14="http://schemas.microsoft.com/office/powerpoint/2010/main" val="532883502"/>
+      </p:ext>
+    </p:extLst>
+  </p:cSld>
+  <p:clrMapOvr>
+    <a:masterClrMapping/>
+  </p:clrMapOvr>
+</p:sld>
+</file>
+
+<file path=ppt/slides/slide5.xml><?xml version="1.0" encoding="utf-8"?>
+<p:sld xmlns:a="http://schemas.openxmlformats.org/drawingml/2006/main" xmlns:r="http://schemas.openxmlformats.org/officeDocument/2006/relationships" xmlns:p="http://schemas.openxmlformats.org/presentationml/2006/main">
+  <p:cSld>
+    <p:bg>
+      <p:bgPr>
+        <a:solidFill>
+          <a:schemeClr val="dk1"/>
+        </a:solidFill>
+        <a:effectLst/>
+      </p:bgPr>
+    </p:bg>
+    <p:spTree>
+      <p:nvGrpSpPr>
+        <p:cNvPr id="1" name="Shape 128"/>
+        <p:cNvGrpSpPr/>
+        <p:nvPr/>
+      </p:nvGrpSpPr>
+      <p:grpSpPr>
+        <a:xfrm>
+          <a:off x="0" y="0"/>
+          <a:ext cx="0" cy="0"/>
+          <a:chOff x="0" y="0"/>
+          <a:chExt cx="0" cy="0"/>
+        </a:xfrm>
+      </p:grpSpPr>
+      <p:sp>
+        <p:nvSpPr>
+          <p:cNvPr id="129" name="Google Shape;129;p25"/>
+          <p:cNvSpPr txBox="1">
+            <a:spLocks noGrp="1"/>
+          </p:cNvSpPr>
+          <p:nvPr>
+            <p:ph type="title"/>
+          </p:nvPr>
+        </p:nvSpPr>
+        <p:spPr>
+          <a:xfrm>
+            <a:off x="61050" y="0"/>
+            <a:ext cx="9021900" cy="708300"/>
+          </a:xfrm>
+          <a:prstGeom prst="rect">
+            <a:avLst/>
+          </a:prstGeom>
+          <a:noFill/>
+          <a:ln>
+            <a:noFill/>
+          </a:ln>
+        </p:spPr>
+        <p:txBody>
+          <a:bodyPr spcFirstLastPara="1" wrap="square" lIns="91425" tIns="45700" rIns="91425" bIns="45700" anchor="ctr" anchorCtr="0">
+            <a:noAutofit/>
+          </a:bodyPr>
+          <a:lstStyle/>
+          <a:p>
+            <a:pPr marL="171450" algn="l"/>
+            <a:r>
+              <a:rPr lang="en-GB" sz="3200" b="1" u="sng" dirty="0">
+                <a:solidFill>
+                  <a:schemeClr val="bg1"/>
+                </a:solidFill>
+              </a:rPr>
+              <a:t>LOVE IT WAS</a:t>
+            </a:r>
+          </a:p>
+        </p:txBody>
+      </p:sp>
+      <p:sp>
+        <p:nvSpPr>
+          <p:cNvPr id="130" name="Google Shape;130;p25"/>
+          <p:cNvSpPr txBox="1">
+            <a:spLocks noGrp="1"/>
+          </p:cNvSpPr>
+          <p:nvPr>
+            <p:ph type="body" idx="1"/>
+          </p:nvPr>
+        </p:nvSpPr>
+        <p:spPr>
+          <a:xfrm>
+            <a:off x="51350" y="762925"/>
+            <a:ext cx="9021900" cy="6039300"/>
+          </a:xfrm>
+          <a:prstGeom prst="rect">
+            <a:avLst/>
+          </a:prstGeom>
+          <a:noFill/>
+          <a:ln>
+            <a:noFill/>
+          </a:ln>
+        </p:spPr>
+        <p:txBody>
+          <a:bodyPr spcFirstLastPara="1" wrap="square" lIns="0" tIns="0" rIns="0" bIns="0" anchor="t" anchorCtr="0">
+            <a:noAutofit/>
+          </a:bodyPr>
+          <a:lstStyle/>
+          <a:p>
+            <a:pPr marL="114300" indent="0">
+              <a:lnSpc>
+                <a:spcPct val="100000"/>
+              </a:lnSpc>
+              <a:spcBef>
+                <a:spcPct val="0"/>
+              </a:spcBef>
+              <a:spcAft>
+                <a:spcPct val="0"/>
+              </a:spcAft>
+              <a:buNone/>
+            </a:pPr>
+            <a:r>
+              <a:rPr lang="en-GB" sz="3600" b="1" i="1" dirty="0">
+                <a:solidFill>
+                  <a:schemeClr val="bg1"/>
+                </a:solidFill>
+                <a:latin typeface="Calibri" panose="020F0502020204030204" pitchFamily="34" charset="0"/>
+                <a:ea typeface="Calibri" panose="020F0502020204030204" pitchFamily="34" charset="0"/>
+                <a:cs typeface="Calibri" panose="020F0502020204030204" pitchFamily="34" charset="0"/>
+              </a:rPr>
+              <a:t>Love it was that made us,</a:t>
+            </a:r>
+          </a:p>
+          <a:p>
+            <a:pPr marL="114300" indent="0">
+              <a:lnSpc>
+                <a:spcPct val="100000"/>
+              </a:lnSpc>
+              <a:spcBef>
+                <a:spcPct val="0"/>
+              </a:spcBef>
+              <a:spcAft>
+                <a:spcPct val="0"/>
+              </a:spcAft>
+              <a:buNone/>
+            </a:pPr>
+            <a:r>
+              <a:rPr lang="en-GB" sz="3600" b="1" i="1" dirty="0">
+                <a:solidFill>
+                  <a:schemeClr val="bg1"/>
+                </a:solidFill>
+                <a:latin typeface="Calibri" panose="020F0502020204030204" pitchFamily="34" charset="0"/>
+                <a:ea typeface="Calibri" panose="020F0502020204030204" pitchFamily="34" charset="0"/>
+                <a:cs typeface="Calibri" panose="020F0502020204030204" pitchFamily="34" charset="0"/>
+              </a:rPr>
+              <a:t>and it was love that saved us,</a:t>
+            </a:r>
+          </a:p>
+          <a:p>
+            <a:pPr marL="114300" indent="0">
+              <a:lnSpc>
+                <a:spcPct val="100000"/>
+              </a:lnSpc>
+              <a:spcBef>
+                <a:spcPct val="0"/>
+              </a:spcBef>
+              <a:spcAft>
+                <a:spcPct val="0"/>
+              </a:spcAft>
+              <a:buNone/>
+            </a:pPr>
+            <a:r>
+              <a:rPr lang="en-GB" sz="3600" b="1" i="1" dirty="0">
+                <a:solidFill>
+                  <a:schemeClr val="bg1"/>
+                </a:solidFill>
+                <a:latin typeface="Calibri" panose="020F0502020204030204" pitchFamily="34" charset="0"/>
+                <a:ea typeface="Calibri" panose="020F0502020204030204" pitchFamily="34" charset="0"/>
+                <a:cs typeface="Calibri" panose="020F0502020204030204" pitchFamily="34" charset="0"/>
+              </a:rPr>
+              <a:t>Love was God’s plan when he made man,</a:t>
+            </a:r>
+          </a:p>
+          <a:p>
+            <a:pPr marL="114300" indent="0">
+              <a:lnSpc>
+                <a:spcPct val="100000"/>
+              </a:lnSpc>
+              <a:spcBef>
+                <a:spcPct val="0"/>
+              </a:spcBef>
+              <a:spcAft>
+                <a:spcPct val="0"/>
+              </a:spcAft>
+              <a:buNone/>
+            </a:pPr>
+            <a:r>
+              <a:rPr lang="en-GB" sz="3600" b="1" i="1" dirty="0">
+                <a:solidFill>
+                  <a:schemeClr val="bg1"/>
+                </a:solidFill>
+                <a:latin typeface="Calibri" panose="020F0502020204030204" pitchFamily="34" charset="0"/>
+                <a:ea typeface="Calibri" panose="020F0502020204030204" pitchFamily="34" charset="0"/>
+                <a:cs typeface="Calibri" panose="020F0502020204030204" pitchFamily="34" charset="0"/>
+              </a:rPr>
+              <a:t>God’s divine nature is love.</a:t>
+            </a:r>
+          </a:p>
+          <a:p>
+            <a:pPr marL="114300" indent="0">
+              <a:lnSpc>
+                <a:spcPct val="100000"/>
+              </a:lnSpc>
+              <a:spcBef>
+                <a:spcPct val="0"/>
+              </a:spcBef>
+              <a:spcAft>
+                <a:spcPct val="0"/>
+              </a:spcAft>
+              <a:buNone/>
+            </a:pPr>
+            <a:r>
+              <a:rPr lang="en-GB" sz="3600" b="1" i="1" dirty="0">
+                <a:solidFill>
+                  <a:schemeClr val="bg1"/>
+                </a:solidFill>
+                <a:latin typeface="Calibri" panose="020F0502020204030204" pitchFamily="34" charset="0"/>
+                <a:ea typeface="Calibri" panose="020F0502020204030204" pitchFamily="34" charset="0"/>
+                <a:cs typeface="Calibri" panose="020F0502020204030204" pitchFamily="34" charset="0"/>
+              </a:rPr>
+              <a:t>Born of God’s love we must love him,</a:t>
+            </a:r>
+          </a:p>
+          <a:p>
+            <a:pPr marL="114300" indent="0">
+              <a:lnSpc>
+                <a:spcPct val="100000"/>
+              </a:lnSpc>
+              <a:spcBef>
+                <a:spcPct val="0"/>
+              </a:spcBef>
+              <a:spcAft>
+                <a:spcPct val="0"/>
+              </a:spcAft>
+              <a:buNone/>
+            </a:pPr>
+            <a:r>
+              <a:rPr lang="en-GB" sz="3600" b="1" i="1" dirty="0">
+                <a:solidFill>
+                  <a:schemeClr val="bg1"/>
+                </a:solidFill>
+                <a:latin typeface="Calibri" panose="020F0502020204030204" pitchFamily="34" charset="0"/>
+                <a:ea typeface="Calibri" panose="020F0502020204030204" pitchFamily="34" charset="0"/>
+                <a:cs typeface="Calibri" panose="020F0502020204030204" pitchFamily="34" charset="0"/>
+              </a:rPr>
+              <a:t>That’s why he made us to love him,</a:t>
+            </a:r>
+          </a:p>
+          <a:p>
+            <a:pPr marL="114300" indent="0">
+              <a:lnSpc>
+                <a:spcPct val="100000"/>
+              </a:lnSpc>
+              <a:spcBef>
+                <a:spcPct val="0"/>
+              </a:spcBef>
+              <a:spcAft>
+                <a:spcPct val="0"/>
+              </a:spcAft>
+              <a:buNone/>
+            </a:pPr>
+            <a:r>
+              <a:rPr lang="en-GB" sz="3600" b="1" i="1" dirty="0">
+                <a:solidFill>
+                  <a:schemeClr val="bg1"/>
+                </a:solidFill>
+                <a:latin typeface="Calibri" panose="020F0502020204030204" pitchFamily="34" charset="0"/>
+                <a:ea typeface="Calibri" panose="020F0502020204030204" pitchFamily="34" charset="0"/>
+                <a:cs typeface="Calibri" panose="020F0502020204030204" pitchFamily="34" charset="0"/>
+              </a:rPr>
+              <a:t>But only when, we love all men,</a:t>
+            </a:r>
+          </a:p>
+          <a:p>
+            <a:pPr marL="114300" indent="0">
+              <a:lnSpc>
+                <a:spcPct val="100000"/>
+              </a:lnSpc>
+              <a:spcBef>
+                <a:spcPct val="0"/>
+              </a:spcBef>
+              <a:spcAft>
+                <a:spcPct val="0"/>
+              </a:spcAft>
+              <a:buNone/>
+            </a:pPr>
+            <a:r>
+              <a:rPr lang="en-GB" sz="3600" b="1" i="1" dirty="0">
+                <a:solidFill>
+                  <a:schemeClr val="bg1"/>
+                </a:solidFill>
+                <a:latin typeface="Calibri" panose="020F0502020204030204" pitchFamily="34" charset="0"/>
+                <a:ea typeface="Calibri" panose="020F0502020204030204" pitchFamily="34" charset="0"/>
+                <a:cs typeface="Calibri" panose="020F0502020204030204" pitchFamily="34" charset="0"/>
+              </a:rPr>
+              <a:t>can we partake of God’s love! [2]</a:t>
             </a:r>
           </a:p>
         </p:txBody>
@@ -16499,7 +17419,7 @@
     </p:spTree>
     <p:extLst>
       <p:ext uri="{BB962C8B-B14F-4D97-AF65-F5344CB8AC3E}">
-        <p14:creationId xmlns:p14="http://schemas.microsoft.com/office/powerpoint/2010/main" val="532883502"/>
+        <p14:creationId xmlns:p14="http://schemas.microsoft.com/office/powerpoint/2010/main" val="1793694319"/>
       </p:ext>
     </p:extLst>
   </p:cSld>

--- a/database/slides/LOVE_IT_WAS.pptx
+++ b/database/slides/LOVE_IT_WAS.pptx
@@ -16134,7 +16134,13 @@
       </p:sp>
       <p:sp>
         <p:nvSpPr>
-          <p:cNvPr id="131" name="Google Shape;131;p25"/>
+          <p:cNvPr id="2" name="Google Shape;131;p25">
+            <a:extLst>
+              <a:ext uri="{FF2B5EF4-FFF2-40B4-BE49-F238E27FC236}">
+                <a16:creationId xmlns:a16="http://schemas.microsoft.com/office/drawing/2014/main" id="{B087A9B4-C2BC-A598-659C-4A7CAC59FFB6}"/>
+              </a:ext>
+            </a:extLst>
+          </p:cNvPr>
           <p:cNvSpPr txBox="1"/>
           <p:nvPr/>
         </p:nvSpPr>
@@ -16157,11 +16163,19 @@
           </a:bodyPr>
           <a:lstStyle/>
           <a:p>
-            <a:pPr>
+            <a:pPr marL="0" lvl="0" indent="0" algn="l" rtl="0">
+              <a:spcBef>
+                <a:spcPts val="0"/>
+              </a:spcBef>
+              <a:spcAft>
+                <a:spcPts val="0"/>
+              </a:spcAft>
               <a:buClr>
                 <a:schemeClr val="lt1"/>
               </a:buClr>
               <a:buSzPts val="3200"/>
+              <a:buFont typeface="Arial"/>
+              <a:buNone/>
             </a:pPr>
             <a:r>
               <a:rPr lang="en-GB" sz="3600" b="1" i="1" dirty="0">
@@ -16175,7 +16189,7 @@
               </a:rPr>
               <a:t>contd..</a:t>
             </a:r>
-            <a:endParaRPr lang="en-GB" sz="3600" dirty="0">
+            <a:endParaRPr sz="3600" dirty="0">
               <a:latin typeface="Calibri"/>
               <a:ea typeface="Calibri"/>
               <a:cs typeface="Calibri"/>
@@ -16395,7 +16409,13 @@
       </p:sp>
       <p:sp>
         <p:nvSpPr>
-          <p:cNvPr id="131" name="Google Shape;131;p25"/>
+          <p:cNvPr id="2" name="Google Shape;131;p25">
+            <a:extLst>
+              <a:ext uri="{FF2B5EF4-FFF2-40B4-BE49-F238E27FC236}">
+                <a16:creationId xmlns:a16="http://schemas.microsoft.com/office/drawing/2014/main" id="{FCF435A7-02DD-2829-A867-5D55026BF876}"/>
+              </a:ext>
+            </a:extLst>
+          </p:cNvPr>
           <p:cNvSpPr txBox="1"/>
           <p:nvPr/>
         </p:nvSpPr>
@@ -16418,11 +16438,19 @@
           </a:bodyPr>
           <a:lstStyle/>
           <a:p>
-            <a:pPr>
+            <a:pPr marL="0" lvl="0" indent="0" algn="l" rtl="0">
+              <a:spcBef>
+                <a:spcPts val="0"/>
+              </a:spcBef>
+              <a:spcAft>
+                <a:spcPts val="0"/>
+              </a:spcAft>
               <a:buClr>
                 <a:schemeClr val="lt1"/>
               </a:buClr>
               <a:buSzPts val="3200"/>
+              <a:buFont typeface="Arial"/>
+              <a:buNone/>
             </a:pPr>
             <a:r>
               <a:rPr lang="en-GB" sz="3600" b="1" i="1" dirty="0">
@@ -16436,7 +16464,7 @@
               </a:rPr>
               <a:t>contd..</a:t>
             </a:r>
-            <a:endParaRPr lang="en-GB" sz="3600" dirty="0">
+            <a:endParaRPr sz="3600" dirty="0">
               <a:latin typeface="Calibri"/>
               <a:ea typeface="Calibri"/>
               <a:cs typeface="Calibri"/>
@@ -16756,7 +16784,13 @@
       </p:sp>
       <p:sp>
         <p:nvSpPr>
-          <p:cNvPr id="131" name="Google Shape;131;p25"/>
+          <p:cNvPr id="2" name="Google Shape;131;p25">
+            <a:extLst>
+              <a:ext uri="{FF2B5EF4-FFF2-40B4-BE49-F238E27FC236}">
+                <a16:creationId xmlns:a16="http://schemas.microsoft.com/office/drawing/2014/main" id="{F2798A77-00F5-80E9-A475-CA894DACDCEC}"/>
+              </a:ext>
+            </a:extLst>
+          </p:cNvPr>
           <p:cNvSpPr txBox="1"/>
           <p:nvPr/>
         </p:nvSpPr>
@@ -16779,11 +16813,19 @@
           </a:bodyPr>
           <a:lstStyle/>
           <a:p>
-            <a:pPr>
+            <a:pPr marL="0" lvl="0" indent="0" algn="l" rtl="0">
+              <a:spcBef>
+                <a:spcPts val="0"/>
+              </a:spcBef>
+              <a:spcAft>
+                <a:spcPts val="0"/>
+              </a:spcAft>
               <a:buClr>
                 <a:schemeClr val="lt1"/>
               </a:buClr>
               <a:buSzPts val="3200"/>
+              <a:buFont typeface="Arial"/>
+              <a:buNone/>
             </a:pPr>
             <a:r>
               <a:rPr lang="en-GB" sz="3600" b="1" i="1" dirty="0">
@@ -16797,7 +16839,7 @@
               </a:rPr>
               <a:t>contd..</a:t>
             </a:r>
-            <a:endParaRPr lang="en-GB" sz="3600" dirty="0">
+            <a:endParaRPr sz="3600" dirty="0">
               <a:latin typeface="Calibri"/>
               <a:ea typeface="Calibri"/>
               <a:cs typeface="Calibri"/>
@@ -17017,7 +17059,13 @@
       </p:sp>
       <p:sp>
         <p:nvSpPr>
-          <p:cNvPr id="131" name="Google Shape;131;p25"/>
+          <p:cNvPr id="2" name="Google Shape;131;p25">
+            <a:extLst>
+              <a:ext uri="{FF2B5EF4-FFF2-40B4-BE49-F238E27FC236}">
+                <a16:creationId xmlns:a16="http://schemas.microsoft.com/office/drawing/2014/main" id="{88C552A5-7BAE-6CB8-14DF-61D5493B321E}"/>
+              </a:ext>
+            </a:extLst>
+          </p:cNvPr>
           <p:cNvSpPr txBox="1"/>
           <p:nvPr/>
         </p:nvSpPr>
@@ -17040,11 +17088,19 @@
           </a:bodyPr>
           <a:lstStyle/>
           <a:p>
-            <a:pPr>
+            <a:pPr marL="0" lvl="0" indent="0" algn="l" rtl="0">
+              <a:spcBef>
+                <a:spcPts val="0"/>
+              </a:spcBef>
+              <a:spcAft>
+                <a:spcPts val="0"/>
+              </a:spcAft>
               <a:buClr>
                 <a:schemeClr val="lt1"/>
               </a:buClr>
               <a:buSzPts val="3200"/>
+              <a:buFont typeface="Arial"/>
+              <a:buNone/>
             </a:pPr>
             <a:r>
               <a:rPr lang="en-GB" sz="3600" b="1" i="1" dirty="0">
@@ -17058,7 +17114,7 @@
               </a:rPr>
               <a:t>contd..</a:t>
             </a:r>
-            <a:endParaRPr lang="en-GB" sz="3600" dirty="0">
+            <a:endParaRPr sz="3600" dirty="0">
               <a:latin typeface="Calibri"/>
               <a:ea typeface="Calibri"/>
               <a:cs typeface="Calibri"/>
